--- a/20250509_lancement_fair_catalog.pptx
+++ b/20250509_lancement_fair_catalog.pptx
@@ -5,10 +5,10 @@
     <p:sldMasterId id="2147483648" r:id="rId4"/>
   </p:sldMasterIdLst>
   <p:notesMasterIdLst>
-    <p:notesMasterId r:id="rId22"/>
+    <p:notesMasterId r:id="rId23"/>
   </p:notesMasterIdLst>
   <p:handoutMasterIdLst>
-    <p:handoutMasterId r:id="rId23"/>
+    <p:handoutMasterId r:id="rId24"/>
   </p:handoutMasterIdLst>
   <p:sldIdLst>
     <p:sldId id="278" r:id="rId5"/>
@@ -20,14 +20,15 @@
     <p:sldId id="365" r:id="rId11"/>
     <p:sldId id="369" r:id="rId12"/>
     <p:sldId id="370" r:id="rId13"/>
-    <p:sldId id="371" r:id="rId14"/>
-    <p:sldId id="372" r:id="rId15"/>
-    <p:sldId id="377" r:id="rId16"/>
-    <p:sldId id="376" r:id="rId17"/>
-    <p:sldId id="378" r:id="rId18"/>
-    <p:sldId id="373" r:id="rId19"/>
-    <p:sldId id="374" r:id="rId20"/>
-    <p:sldId id="273" r:id="rId21"/>
+    <p:sldId id="379" r:id="rId14"/>
+    <p:sldId id="371" r:id="rId15"/>
+    <p:sldId id="372" r:id="rId16"/>
+    <p:sldId id="377" r:id="rId17"/>
+    <p:sldId id="376" r:id="rId18"/>
+    <p:sldId id="378" r:id="rId19"/>
+    <p:sldId id="373" r:id="rId20"/>
+    <p:sldId id="374" r:id="rId21"/>
+    <p:sldId id="273" r:id="rId22"/>
   </p:sldIdLst>
   <p:sldSz cx="12192000" cy="6858000"/>
   <p:notesSz cx="6797675" cy="9926638"/>
@@ -141,6 +142,9 @@
         </p15:guide>
       </p15:sldGuideLst>
     </p:ext>
+    <p:ext uri="{2D200454-40CA-4A62-9FC3-DE9A4176ACB9}">
+      <p15:notesGuideLst xmlns:p15="http://schemas.microsoft.com/office/powerpoint/2012/main"/>
+    </p:ext>
   </p:extLst>
 </p:presentation>
 </file>
@@ -247,7 +251,7 @@
           <a:p>
             <a:fld id="{913A55CF-C5E9-4644-A3CB-BF534F987B83}" type="datetimeFigureOut">
               <a:rPr lang="fr-FR" smtClean="0"/>
-              <a:t>09/05/2025</a:t>
+              <a:t>19/05/2025</a:t>
             </a:fld>
             <a:endParaRPr lang="fr-FR"/>
           </a:p>
@@ -424,7 +428,7 @@
           <a:p>
             <a:fld id="{FC521EA4-06AD-4D49-A6B6-149BBD734030}" type="datetimeFigureOut">
               <a:rPr lang="fr-FR" smtClean="0"/>
-              <a:t>05/05/2025</a:t>
+              <a:t>19/05/2025</a:t>
             </a:fld>
             <a:endParaRPr lang="fr-FR"/>
           </a:p>
@@ -8799,6 +8803,1264 @@
         <p:cNvPr id="1" name="">
           <a:extLst>
             <a:ext uri="{FF2B5EF4-FFF2-40B4-BE49-F238E27FC236}">
+              <a16:creationId xmlns:a16="http://schemas.microsoft.com/office/drawing/2014/main" id="{7E88AF99-8EFD-5097-BD15-DF46835A3A25}"/>
+            </a:ext>
+          </a:extLst>
+        </p:cNvPr>
+        <p:cNvGrpSpPr/>
+        <p:nvPr/>
+      </p:nvGrpSpPr>
+      <p:grpSpPr>
+        <a:xfrm>
+          <a:off x="0" y="0"/>
+          <a:ext cx="0" cy="0"/>
+          <a:chOff x="0" y="0"/>
+          <a:chExt cx="0" cy="0"/>
+        </a:xfrm>
+      </p:grpSpPr>
+      <p:sp>
+        <p:nvSpPr>
+          <p:cNvPr id="2" name="Espace réservé du numéro de diapositive 1">
+            <a:extLst>
+              <a:ext uri="{FF2B5EF4-FFF2-40B4-BE49-F238E27FC236}">
+                <a16:creationId xmlns:a16="http://schemas.microsoft.com/office/drawing/2014/main" id="{02BBC339-8BD8-5CD6-3D43-13593F6A52CD}"/>
+              </a:ext>
+            </a:extLst>
+          </p:cNvPr>
+          <p:cNvSpPr>
+            <a:spLocks noGrp="1"/>
+          </p:cNvSpPr>
+          <p:nvPr>
+            <p:ph type="sldNum" sz="quarter" idx="22"/>
+          </p:nvPr>
+        </p:nvSpPr>
+        <p:spPr/>
+        <p:txBody>
+          <a:bodyPr/>
+          <a:lstStyle/>
+          <a:p>
+            <a:fld id="{CF863F24-FD3B-42A9-B2F4-21504D34347E}" type="slidenum">
+              <a:rPr lang="fr-FR" smtClean="0"/>
+              <a:pPr/>
+              <a:t>10</a:t>
+            </a:fld>
+            <a:endParaRPr lang="fr-FR" dirty="0"/>
+          </a:p>
+        </p:txBody>
+      </p:sp>
+      <p:sp>
+        <p:nvSpPr>
+          <p:cNvPr id="3" name="Titre 2">
+            <a:extLst>
+              <a:ext uri="{FF2B5EF4-FFF2-40B4-BE49-F238E27FC236}">
+                <a16:creationId xmlns:a16="http://schemas.microsoft.com/office/drawing/2014/main" id="{EFAEC4C1-D3FA-99CC-82B2-958ABD605A38}"/>
+              </a:ext>
+            </a:extLst>
+          </p:cNvPr>
+          <p:cNvSpPr>
+            <a:spLocks noGrp="1"/>
+          </p:cNvSpPr>
+          <p:nvPr>
+            <p:ph type="title"/>
+          </p:nvPr>
+        </p:nvSpPr>
+        <p:spPr>
+          <a:xfrm>
+            <a:off x="334566" y="476671"/>
+            <a:ext cx="11522074" cy="1001315"/>
+          </a:xfrm>
+        </p:spPr>
+        <p:txBody>
+          <a:bodyPr vert="horz" lIns="91440" tIns="45720" rIns="91440" bIns="45720" rtlCol="0" anchor="ctr">
+            <a:noAutofit/>
+          </a:bodyPr>
+          <a:lstStyle/>
+          <a:p>
+            <a:pPr lvl="2"/>
+            <a:r>
+              <a:rPr lang="en-US" sz="2800" b="1" dirty="0">
+                <a:solidFill>
+                  <a:schemeClr val="bg2"/>
+                </a:solidFill>
+                <a:latin typeface="Candara" panose="020E0502030303020204" pitchFamily="34" charset="0"/>
+              </a:rPr>
+              <a:t>Task 4 : Sharing and testing those activities with the Water4All community </a:t>
+            </a:r>
+            <a:endParaRPr lang="fr-FR" sz="2800" b="1" dirty="0">
+              <a:solidFill>
+                <a:schemeClr val="bg2"/>
+              </a:solidFill>
+              <a:latin typeface="Candara" panose="020E0502030303020204" pitchFamily="34" charset="0"/>
+            </a:endParaRPr>
+          </a:p>
+        </p:txBody>
+      </p:sp>
+      <p:sp>
+        <p:nvSpPr>
+          <p:cNvPr id="5" name="Espace réservé du pied de page 4">
+            <a:extLst>
+              <a:ext uri="{FF2B5EF4-FFF2-40B4-BE49-F238E27FC236}">
+                <a16:creationId xmlns:a16="http://schemas.microsoft.com/office/drawing/2014/main" id="{1C1A9FC0-DDAD-DB62-1D27-4F41EC1A504C}"/>
+              </a:ext>
+            </a:extLst>
+          </p:cNvPr>
+          <p:cNvSpPr>
+            <a:spLocks noGrp="1"/>
+          </p:cNvSpPr>
+          <p:nvPr>
+            <p:ph type="ftr" sz="quarter" idx="25"/>
+          </p:nvPr>
+        </p:nvSpPr>
+        <p:spPr/>
+        <p:txBody>
+          <a:bodyPr/>
+          <a:lstStyle/>
+          <a:p>
+            <a:r>
+              <a:rPr lang="fr-FR" dirty="0"/>
+              <a:t>01 – </a:t>
+            </a:r>
+            <a:r>
+              <a:rPr lang="fr-FR" sz="1200" dirty="0"/>
+              <a:t>Présentation du projet</a:t>
+            </a:r>
+          </a:p>
+        </p:txBody>
+      </p:sp>
+      <p:graphicFrame>
+        <p:nvGraphicFramePr>
+          <p:cNvPr id="6" name="Tableau 5">
+            <a:extLst>
+              <a:ext uri="{FF2B5EF4-FFF2-40B4-BE49-F238E27FC236}">
+                <a16:creationId xmlns:a16="http://schemas.microsoft.com/office/drawing/2014/main" id="{FC0C248F-E2E3-04A6-5A16-AF750465E9B5}"/>
+              </a:ext>
+            </a:extLst>
+          </p:cNvPr>
+          <p:cNvGraphicFramePr>
+            <a:graphicFrameLocks noGrp="1"/>
+          </p:cNvGraphicFramePr>
+          <p:nvPr>
+            <p:extLst>
+              <p:ext uri="{D42A27DB-BD31-4B8C-83A1-F6EECF244321}">
+                <p14:modId xmlns:p14="http://schemas.microsoft.com/office/powerpoint/2010/main" val="3957226535"/>
+              </p:ext>
+            </p:extLst>
+          </p:nvPr>
+        </p:nvGraphicFramePr>
+        <p:xfrm>
+          <a:off x="310952" y="1868280"/>
+          <a:ext cx="11522074" cy="4297024"/>
+        </p:xfrm>
+        <a:graphic>
+          <a:graphicData uri="http://schemas.openxmlformats.org/drawingml/2006/table">
+            <a:tbl>
+              <a:tblPr>
+                <a:tableStyleId>{5C22544A-7EE6-4342-B048-85BDC9FD1C3A}</a:tableStyleId>
+              </a:tblPr>
+              <a:tblGrid>
+                <a:gridCol w="1979492">
+                  <a:extLst>
+                    <a:ext uri="{9D8B030D-6E8A-4147-A177-3AD203B41FA5}">
+                      <a16:colId xmlns:a16="http://schemas.microsoft.com/office/drawing/2014/main" val="1339934511"/>
+                    </a:ext>
+                  </a:extLst>
+                </a:gridCol>
+                <a:gridCol w="4998276">
+                  <a:extLst>
+                    <a:ext uri="{9D8B030D-6E8A-4147-A177-3AD203B41FA5}">
+                      <a16:colId xmlns:a16="http://schemas.microsoft.com/office/drawing/2014/main" val="910318621"/>
+                    </a:ext>
+                  </a:extLst>
+                </a:gridCol>
+                <a:gridCol w="1788226">
+                  <a:extLst>
+                    <a:ext uri="{9D8B030D-6E8A-4147-A177-3AD203B41FA5}">
+                      <a16:colId xmlns:a16="http://schemas.microsoft.com/office/drawing/2014/main" val="3677268543"/>
+                    </a:ext>
+                  </a:extLst>
+                </a:gridCol>
+                <a:gridCol w="2756080">
+                  <a:extLst>
+                    <a:ext uri="{9D8B030D-6E8A-4147-A177-3AD203B41FA5}">
+                      <a16:colId xmlns:a16="http://schemas.microsoft.com/office/drawing/2014/main" val="118708174"/>
+                    </a:ext>
+                  </a:extLst>
+                </a:gridCol>
+              </a:tblGrid>
+              <a:tr h="0">
+                <a:tc gridSpan="4">
+                  <a:txBody>
+                    <a:bodyPr/>
+                    <a:lstStyle/>
+                    <a:p>
+                      <a:pPr>
+                        <a:lnSpc>
+                          <a:spcPct val="107000"/>
+                        </a:lnSpc>
+                      </a:pPr>
+                      <a:endParaRPr lang="fr-FR" sz="2000" dirty="0">
+                        <a:effectLst/>
+                        <a:latin typeface="Calibri" panose="020F0502020204030204" pitchFamily="34" charset="0"/>
+                        <a:cs typeface="Times New Roman" panose="02020603050405020304" pitchFamily="18" charset="0"/>
+                      </a:endParaRPr>
+                    </a:p>
+                  </a:txBody>
+                  <a:tcPr marL="62865" marR="62865" marT="31115" marB="31115" anchor="ctr">
+                    <a:lnL w="12700" cap="flat" cmpd="sng" algn="ctr">
+                      <a:solidFill>
+                        <a:schemeClr val="tx1"/>
+                      </a:solidFill>
+                      <a:prstDash val="solid"/>
+                      <a:round/>
+                      <a:headEnd type="none" w="med" len="med"/>
+                      <a:tailEnd type="none" w="med" len="med"/>
+                    </a:lnL>
+                    <a:lnR w="12700" cap="flat" cmpd="sng" algn="ctr">
+                      <a:solidFill>
+                        <a:schemeClr val="tx1"/>
+                      </a:solidFill>
+                      <a:prstDash val="solid"/>
+                      <a:round/>
+                      <a:headEnd type="none" w="med" len="med"/>
+                      <a:tailEnd type="none" w="med" len="med"/>
+                    </a:lnR>
+                    <a:lnT w="12700" cap="flat" cmpd="sng" algn="ctr">
+                      <a:solidFill>
+                        <a:schemeClr val="tx1"/>
+                      </a:solidFill>
+                      <a:prstDash val="solid"/>
+                      <a:round/>
+                      <a:headEnd type="none" w="med" len="med"/>
+                      <a:tailEnd type="none" w="med" len="med"/>
+                    </a:lnT>
+                    <a:lnB w="12700" cap="flat" cmpd="sng" algn="ctr">
+                      <a:solidFill>
+                        <a:schemeClr val="tx1"/>
+                      </a:solidFill>
+                      <a:prstDash val="solid"/>
+                      <a:round/>
+                      <a:headEnd type="none" w="med" len="med"/>
+                      <a:tailEnd type="none" w="med" len="med"/>
+                    </a:lnB>
+                    <a:solidFill>
+                      <a:schemeClr val="accent2"/>
+                    </a:solidFill>
+                  </a:tcPr>
+                </a:tc>
+                <a:tc hMerge="1">
+                  <a:txBody>
+                    <a:bodyPr/>
+                    <a:lstStyle/>
+                    <a:p>
+                      <a:endParaRPr lang="fr-FR"/>
+                    </a:p>
+                  </a:txBody>
+                  <a:tcPr/>
+                </a:tc>
+                <a:tc hMerge="1">
+                  <a:txBody>
+                    <a:bodyPr/>
+                    <a:lstStyle/>
+                    <a:p>
+                      <a:endParaRPr lang="fr-FR"/>
+                    </a:p>
+                  </a:txBody>
+                  <a:tcPr/>
+                </a:tc>
+                <a:tc hMerge="1">
+                  <a:txBody>
+                    <a:bodyPr/>
+                    <a:lstStyle/>
+                    <a:p>
+                      <a:endParaRPr lang="fr-FR"/>
+                    </a:p>
+                  </a:txBody>
+                  <a:tcPr/>
+                </a:tc>
+                <a:extLst>
+                  <a:ext uri="{0D108BD9-81ED-4DB2-BD59-A6C34878D82A}">
+                    <a16:rowId xmlns:a16="http://schemas.microsoft.com/office/drawing/2014/main" val="931194808"/>
+                  </a:ext>
+                </a:extLst>
+              </a:tr>
+              <a:tr h="1138280">
+                <a:tc>
+                  <a:txBody>
+                    <a:bodyPr/>
+                    <a:lstStyle/>
+                    <a:p>
+                      <a:pPr algn="ctr">
+                        <a:lnSpc>
+                          <a:spcPct val="107000"/>
+                        </a:lnSpc>
+                        <a:spcAft>
+                          <a:spcPts val="800"/>
+                        </a:spcAft>
+                        <a:buNone/>
+                      </a:pPr>
+                      <a:endParaRPr lang="fr-FR" sz="2000" dirty="0">
+                        <a:effectLst/>
+                      </a:endParaRPr>
+                    </a:p>
+                    <a:p>
+                      <a:pPr algn="ctr">
+                        <a:lnSpc>
+                          <a:spcPct val="107000"/>
+                        </a:lnSpc>
+                        <a:spcAft>
+                          <a:spcPts val="800"/>
+                        </a:spcAft>
+                        <a:buNone/>
+                      </a:pPr>
+                      <a:r>
+                        <a:rPr lang="fr-FR" sz="2000" dirty="0">
+                          <a:effectLst/>
+                        </a:rPr>
+                        <a:t>Objectives</a:t>
+                      </a:r>
+                      <a:endParaRPr lang="fr-FR" sz="2000" dirty="0">
+                        <a:effectLst/>
+                        <a:latin typeface="Calibri" panose="020F0502020204030204" pitchFamily="34" charset="0"/>
+                        <a:ea typeface="Calibri" panose="020F0502020204030204" pitchFamily="34" charset="0"/>
+                        <a:cs typeface="Times New Roman" panose="02020603050405020304" pitchFamily="18" charset="0"/>
+                      </a:endParaRPr>
+                    </a:p>
+                  </a:txBody>
+                  <a:tcPr marL="62865" marR="62865" marT="31115" marB="31115" anchor="ctr">
+                    <a:lnL w="12700" cap="flat" cmpd="sng" algn="ctr">
+                      <a:solidFill>
+                        <a:schemeClr val="tx1"/>
+                      </a:solidFill>
+                      <a:prstDash val="solid"/>
+                      <a:round/>
+                      <a:headEnd type="none" w="med" len="med"/>
+                      <a:tailEnd type="none" w="med" len="med"/>
+                    </a:lnL>
+                    <a:lnR w="12700" cap="flat" cmpd="sng" algn="ctr">
+                      <a:solidFill>
+                        <a:schemeClr val="tx1"/>
+                      </a:solidFill>
+                      <a:prstDash val="solid"/>
+                      <a:round/>
+                      <a:headEnd type="none" w="med" len="med"/>
+                      <a:tailEnd type="none" w="med" len="med"/>
+                    </a:lnR>
+                    <a:lnT w="12700" cap="flat" cmpd="sng" algn="ctr">
+                      <a:solidFill>
+                        <a:schemeClr val="tx1"/>
+                      </a:solidFill>
+                      <a:prstDash val="solid"/>
+                      <a:round/>
+                      <a:headEnd type="none" w="med" len="med"/>
+                      <a:tailEnd type="none" w="med" len="med"/>
+                    </a:lnT>
+                    <a:lnB w="12700" cap="flat" cmpd="sng" algn="ctr">
+                      <a:solidFill>
+                        <a:schemeClr val="tx1"/>
+                      </a:solidFill>
+                      <a:prstDash val="solid"/>
+                      <a:round/>
+                      <a:headEnd type="none" w="med" len="med"/>
+                      <a:tailEnd type="none" w="med" len="med"/>
+                    </a:lnB>
+                  </a:tcPr>
+                </a:tc>
+                <a:tc gridSpan="3">
+                  <a:txBody>
+                    <a:bodyPr/>
+                    <a:lstStyle/>
+                    <a:p>
+                      <a:pPr marL="285750" lvl="0" indent="-285750">
+                        <a:lnSpc>
+                          <a:spcPct val="150000"/>
+                        </a:lnSpc>
+                        <a:buFont typeface="Arial" panose="020B0604020202020204" pitchFamily="34" charset="0"/>
+                        <a:buChar char="•"/>
+                      </a:pPr>
+                      <a:r>
+                        <a:rPr lang="en-US" sz="1800" b="1" kern="1200" dirty="0">
+                          <a:solidFill>
+                            <a:schemeClr val="dk1"/>
+                          </a:solidFill>
+                          <a:effectLst/>
+                          <a:latin typeface="+mn-lt"/>
+                          <a:ea typeface="+mn-ea"/>
+                          <a:cs typeface="+mn-cs"/>
+                        </a:rPr>
+                        <a:t>Share and inform the Water4All community</a:t>
+                      </a:r>
+                      <a:endParaRPr lang="fr-FR" sz="2000" dirty="0">
+                        <a:effectLst/>
+                        <a:latin typeface="Calibri" panose="020F0502020204030204" pitchFamily="34" charset="0"/>
+                        <a:ea typeface="Calibri" panose="020F0502020204030204" pitchFamily="34" charset="0"/>
+                        <a:cs typeface="Times New Roman" panose="02020603050405020304" pitchFamily="18" charset="0"/>
+                      </a:endParaRPr>
+                    </a:p>
+                  </a:txBody>
+                  <a:tcPr marL="62865" marR="62865" marT="31115" marB="31115" anchor="ctr">
+                    <a:lnL w="12700" cap="flat" cmpd="sng" algn="ctr">
+                      <a:solidFill>
+                        <a:schemeClr val="tx1"/>
+                      </a:solidFill>
+                      <a:prstDash val="solid"/>
+                      <a:round/>
+                      <a:headEnd type="none" w="med" len="med"/>
+                      <a:tailEnd type="none" w="med" len="med"/>
+                    </a:lnL>
+                    <a:lnR w="12700" cap="flat" cmpd="sng" algn="ctr">
+                      <a:solidFill>
+                        <a:schemeClr val="tx1"/>
+                      </a:solidFill>
+                      <a:prstDash val="solid"/>
+                      <a:round/>
+                      <a:headEnd type="none" w="med" len="med"/>
+                      <a:tailEnd type="none" w="med" len="med"/>
+                    </a:lnR>
+                    <a:lnT w="12700" cap="flat" cmpd="sng" algn="ctr">
+                      <a:solidFill>
+                        <a:schemeClr val="tx1"/>
+                      </a:solidFill>
+                      <a:prstDash val="solid"/>
+                      <a:round/>
+                      <a:headEnd type="none" w="med" len="med"/>
+                      <a:tailEnd type="none" w="med" len="med"/>
+                    </a:lnT>
+                    <a:lnB w="12700" cap="flat" cmpd="sng" algn="ctr">
+                      <a:solidFill>
+                        <a:schemeClr val="tx1"/>
+                      </a:solidFill>
+                      <a:prstDash val="solid"/>
+                      <a:round/>
+                      <a:headEnd type="none" w="med" len="med"/>
+                      <a:tailEnd type="none" w="med" len="med"/>
+                    </a:lnB>
+                    <a:noFill/>
+                  </a:tcPr>
+                </a:tc>
+                <a:tc hMerge="1">
+                  <a:txBody>
+                    <a:bodyPr/>
+                    <a:lstStyle/>
+                    <a:p>
+                      <a:endParaRPr lang="fr-FR"/>
+                    </a:p>
+                  </a:txBody>
+                  <a:tcPr/>
+                </a:tc>
+                <a:tc hMerge="1">
+                  <a:txBody>
+                    <a:bodyPr/>
+                    <a:lstStyle/>
+                    <a:p>
+                      <a:endParaRPr lang="fr-FR"/>
+                    </a:p>
+                  </a:txBody>
+                  <a:tcPr/>
+                </a:tc>
+                <a:extLst>
+                  <a:ext uri="{0D108BD9-81ED-4DB2-BD59-A6C34878D82A}">
+                    <a16:rowId xmlns:a16="http://schemas.microsoft.com/office/drawing/2014/main" val="2756359595"/>
+                  </a:ext>
+                </a:extLst>
+              </a:tr>
+              <a:tr h="626086">
+                <a:tc>
+                  <a:txBody>
+                    <a:bodyPr/>
+                    <a:lstStyle/>
+                    <a:p>
+                      <a:pPr algn="ctr">
+                        <a:lnSpc>
+                          <a:spcPct val="107000"/>
+                        </a:lnSpc>
+                        <a:spcAft>
+                          <a:spcPts val="800"/>
+                        </a:spcAft>
+                        <a:buNone/>
+                      </a:pPr>
+                      <a:endParaRPr lang="fr-FR" sz="2000" dirty="0">
+                        <a:effectLst/>
+                      </a:endParaRPr>
+                    </a:p>
+                    <a:p>
+                      <a:pPr algn="ctr">
+                        <a:lnSpc>
+                          <a:spcPct val="107000"/>
+                        </a:lnSpc>
+                        <a:spcAft>
+                          <a:spcPts val="800"/>
+                        </a:spcAft>
+                        <a:buNone/>
+                      </a:pPr>
+                      <a:r>
+                        <a:rPr lang="en-US" sz="2000" dirty="0">
+                          <a:effectLst/>
+                        </a:rPr>
+                        <a:t>Terms of intervention</a:t>
+                      </a:r>
+                    </a:p>
+                    <a:p>
+                      <a:pPr algn="ctr">
+                        <a:lnSpc>
+                          <a:spcPct val="107000"/>
+                        </a:lnSpc>
+                        <a:spcAft>
+                          <a:spcPts val="800"/>
+                        </a:spcAft>
+                        <a:buNone/>
+                      </a:pPr>
+                      <a:endParaRPr lang="fr-FR" sz="2000" dirty="0">
+                        <a:effectLst/>
+                        <a:latin typeface="Calibri" panose="020F0502020204030204" pitchFamily="34" charset="0"/>
+                        <a:ea typeface="Calibri" panose="020F0502020204030204" pitchFamily="34" charset="0"/>
+                        <a:cs typeface="Times New Roman" panose="02020603050405020304" pitchFamily="18" charset="0"/>
+                      </a:endParaRPr>
+                    </a:p>
+                  </a:txBody>
+                  <a:tcPr marL="62865" marR="62865" marT="31115" marB="31115" anchor="ctr">
+                    <a:lnL w="12700" cap="flat" cmpd="sng" algn="ctr">
+                      <a:solidFill>
+                        <a:schemeClr val="tx1"/>
+                      </a:solidFill>
+                      <a:prstDash val="solid"/>
+                      <a:round/>
+                      <a:headEnd type="none" w="med" len="med"/>
+                      <a:tailEnd type="none" w="med" len="med"/>
+                    </a:lnL>
+                    <a:lnR w="12700" cap="flat" cmpd="sng" algn="ctr">
+                      <a:solidFill>
+                        <a:schemeClr val="tx1"/>
+                      </a:solidFill>
+                      <a:prstDash val="solid"/>
+                      <a:round/>
+                      <a:headEnd type="none" w="med" len="med"/>
+                      <a:tailEnd type="none" w="med" len="med"/>
+                    </a:lnR>
+                    <a:lnT w="12700" cap="flat" cmpd="sng" algn="ctr">
+                      <a:solidFill>
+                        <a:schemeClr val="tx1"/>
+                      </a:solidFill>
+                      <a:prstDash val="solid"/>
+                      <a:round/>
+                      <a:headEnd type="none" w="med" len="med"/>
+                      <a:tailEnd type="none" w="med" len="med"/>
+                    </a:lnT>
+                    <a:lnB w="12700" cap="flat" cmpd="sng" algn="ctr">
+                      <a:solidFill>
+                        <a:schemeClr val="tx1"/>
+                      </a:solidFill>
+                      <a:prstDash val="solid"/>
+                      <a:round/>
+                      <a:headEnd type="none" w="med" len="med"/>
+                      <a:tailEnd type="none" w="med" len="med"/>
+                    </a:lnB>
+                  </a:tcPr>
+                </a:tc>
+                <a:tc gridSpan="3">
+                  <a:txBody>
+                    <a:bodyPr/>
+                    <a:lstStyle/>
+                    <a:p>
+                      <a:pPr marL="285750" lvl="0" indent="-285750">
+                        <a:buFont typeface="Arial" panose="020B0604020202020204" pitchFamily="34" charset="0"/>
+                        <a:buChar char="•"/>
+                      </a:pPr>
+                      <a:r>
+                        <a:rPr lang="en-US" sz="1800" kern="1200" dirty="0">
+                          <a:solidFill>
+                            <a:schemeClr val="dk1"/>
+                          </a:solidFill>
+                          <a:effectLst/>
+                          <a:latin typeface="+mn-lt"/>
+                          <a:ea typeface="+mn-ea"/>
+                          <a:cs typeface="+mn-cs"/>
+                        </a:rPr>
+                        <a:t>Involvement in Water4all events if needed</a:t>
+                      </a:r>
+                      <a:endParaRPr lang="fr-FR" sz="1800" kern="1200" dirty="0">
+                        <a:solidFill>
+                          <a:schemeClr val="dk1"/>
+                        </a:solidFill>
+                        <a:effectLst/>
+                        <a:latin typeface="+mn-lt"/>
+                        <a:ea typeface="+mn-ea"/>
+                        <a:cs typeface="+mn-cs"/>
+                      </a:endParaRPr>
+                    </a:p>
+                    <a:p>
+                      <a:pPr marL="285750" indent="-285750">
+                        <a:buFont typeface="Arial" panose="020B0604020202020204" pitchFamily="34" charset="0"/>
+                        <a:buChar char="•"/>
+                      </a:pPr>
+                      <a:r>
+                        <a:rPr lang="en-US" sz="1800" kern="1200" dirty="0">
+                          <a:solidFill>
+                            <a:schemeClr val="dk1"/>
+                          </a:solidFill>
+                          <a:effectLst/>
+                          <a:latin typeface="+mn-lt"/>
+                          <a:ea typeface="+mn-ea"/>
+                          <a:cs typeface="+mn-cs"/>
+                        </a:rPr>
+                        <a:t>Document the approach throughout the duration of the project</a:t>
+                      </a:r>
+                      <a:endParaRPr lang="fr-FR" sz="1800" kern="1200" dirty="0">
+                        <a:solidFill>
+                          <a:schemeClr val="dk1"/>
+                        </a:solidFill>
+                        <a:effectLst/>
+                        <a:latin typeface="+mn-lt"/>
+                        <a:ea typeface="+mn-ea"/>
+                        <a:cs typeface="+mn-cs"/>
+                      </a:endParaRPr>
+                    </a:p>
+                  </a:txBody>
+                  <a:tcPr marL="62865" marR="62865" marT="31115" marB="31115" anchor="ctr">
+                    <a:lnL w="12700" cap="flat" cmpd="sng" algn="ctr">
+                      <a:solidFill>
+                        <a:schemeClr val="tx1"/>
+                      </a:solidFill>
+                      <a:prstDash val="solid"/>
+                      <a:round/>
+                      <a:headEnd type="none" w="med" len="med"/>
+                      <a:tailEnd type="none" w="med" len="med"/>
+                    </a:lnL>
+                    <a:lnR w="12700" cap="flat" cmpd="sng" algn="ctr">
+                      <a:solidFill>
+                        <a:schemeClr val="tx1"/>
+                      </a:solidFill>
+                      <a:prstDash val="solid"/>
+                      <a:round/>
+                      <a:headEnd type="none" w="med" len="med"/>
+                      <a:tailEnd type="none" w="med" len="med"/>
+                    </a:lnR>
+                    <a:lnT w="12700" cap="flat" cmpd="sng" algn="ctr">
+                      <a:solidFill>
+                        <a:schemeClr val="tx1"/>
+                      </a:solidFill>
+                      <a:prstDash val="solid"/>
+                      <a:round/>
+                      <a:headEnd type="none" w="med" len="med"/>
+                      <a:tailEnd type="none" w="med" len="med"/>
+                    </a:lnT>
+                    <a:lnB w="12700" cap="flat" cmpd="sng" algn="ctr">
+                      <a:solidFill>
+                        <a:schemeClr val="tx1"/>
+                      </a:solidFill>
+                      <a:prstDash val="solid"/>
+                      <a:round/>
+                      <a:headEnd type="none" w="med" len="med"/>
+                      <a:tailEnd type="none" w="med" len="med"/>
+                    </a:lnB>
+                    <a:noFill/>
+                  </a:tcPr>
+                </a:tc>
+                <a:tc hMerge="1">
+                  <a:txBody>
+                    <a:bodyPr/>
+                    <a:lstStyle/>
+                    <a:p>
+                      <a:endParaRPr lang="fr-FR"/>
+                    </a:p>
+                  </a:txBody>
+                  <a:tcPr/>
+                </a:tc>
+                <a:tc hMerge="1">
+                  <a:txBody>
+                    <a:bodyPr/>
+                    <a:lstStyle/>
+                    <a:p>
+                      <a:endParaRPr lang="fr-FR"/>
+                    </a:p>
+                  </a:txBody>
+                  <a:tcPr/>
+                </a:tc>
+                <a:extLst>
+                  <a:ext uri="{0D108BD9-81ED-4DB2-BD59-A6C34878D82A}">
+                    <a16:rowId xmlns:a16="http://schemas.microsoft.com/office/drawing/2014/main" val="2769298648"/>
+                  </a:ext>
+                </a:extLst>
+              </a:tr>
+              <a:tr h="830918">
+                <a:tc>
+                  <a:txBody>
+                    <a:bodyPr/>
+                    <a:lstStyle/>
+                    <a:p>
+                      <a:pPr algn="ctr">
+                        <a:lnSpc>
+                          <a:spcPct val="107000"/>
+                        </a:lnSpc>
+                        <a:spcAft>
+                          <a:spcPts val="800"/>
+                        </a:spcAft>
+                        <a:buNone/>
+                      </a:pPr>
+                      <a:endParaRPr lang="fr-FR" sz="2000" dirty="0">
+                        <a:effectLst/>
+                      </a:endParaRPr>
+                    </a:p>
+                    <a:p>
+                      <a:pPr algn="ctr">
+                        <a:lnSpc>
+                          <a:spcPct val="107000"/>
+                        </a:lnSpc>
+                        <a:spcAft>
+                          <a:spcPts val="800"/>
+                        </a:spcAft>
+                        <a:buNone/>
+                      </a:pPr>
+                      <a:r>
+                        <a:rPr lang="fr-FR" sz="2000" dirty="0" err="1">
+                          <a:effectLst/>
+                        </a:rPr>
+                        <a:t>Deliverables</a:t>
+                      </a:r>
+                      <a:endParaRPr lang="fr-FR" sz="2000" dirty="0">
+                        <a:effectLst/>
+                      </a:endParaRPr>
+                    </a:p>
+                    <a:p>
+                      <a:pPr algn="ctr">
+                        <a:lnSpc>
+                          <a:spcPct val="107000"/>
+                        </a:lnSpc>
+                        <a:spcAft>
+                          <a:spcPts val="800"/>
+                        </a:spcAft>
+                        <a:buNone/>
+                      </a:pPr>
+                      <a:endParaRPr lang="fr-FR" sz="2000" dirty="0">
+                        <a:effectLst/>
+                        <a:latin typeface="Calibri" panose="020F0502020204030204" pitchFamily="34" charset="0"/>
+                        <a:ea typeface="Calibri" panose="020F0502020204030204" pitchFamily="34" charset="0"/>
+                        <a:cs typeface="Times New Roman" panose="02020603050405020304" pitchFamily="18" charset="0"/>
+                      </a:endParaRPr>
+                    </a:p>
+                  </a:txBody>
+                  <a:tcPr marL="62865" marR="62865" marT="31115" marB="31115" anchor="ctr">
+                    <a:lnL w="12700" cap="flat" cmpd="sng" algn="ctr">
+                      <a:solidFill>
+                        <a:schemeClr val="tx1"/>
+                      </a:solidFill>
+                      <a:prstDash val="solid"/>
+                      <a:round/>
+                      <a:headEnd type="none" w="med" len="med"/>
+                      <a:tailEnd type="none" w="med" len="med"/>
+                    </a:lnL>
+                    <a:lnR w="12700" cap="flat" cmpd="sng" algn="ctr">
+                      <a:solidFill>
+                        <a:schemeClr val="tx1"/>
+                      </a:solidFill>
+                      <a:prstDash val="solid"/>
+                      <a:round/>
+                      <a:headEnd type="none" w="med" len="med"/>
+                      <a:tailEnd type="none" w="med" len="med"/>
+                    </a:lnR>
+                    <a:lnT w="12700" cap="flat" cmpd="sng" algn="ctr">
+                      <a:solidFill>
+                        <a:schemeClr val="tx1"/>
+                      </a:solidFill>
+                      <a:prstDash val="solid"/>
+                      <a:round/>
+                      <a:headEnd type="none" w="med" len="med"/>
+                      <a:tailEnd type="none" w="med" len="med"/>
+                    </a:lnT>
+                    <a:lnB w="12700" cap="flat" cmpd="sng" algn="ctr">
+                      <a:solidFill>
+                        <a:schemeClr val="tx1"/>
+                      </a:solidFill>
+                      <a:prstDash val="solid"/>
+                      <a:round/>
+                      <a:headEnd type="none" w="med" len="med"/>
+                      <a:tailEnd type="none" w="med" len="med"/>
+                    </a:lnB>
+                  </a:tcPr>
+                </a:tc>
+                <a:tc>
+                  <a:txBody>
+                    <a:bodyPr/>
+                    <a:lstStyle/>
+                    <a:p>
+                      <a:pPr marL="342900" lvl="0" indent="-342900">
+                        <a:lnSpc>
+                          <a:spcPct val="107000"/>
+                        </a:lnSpc>
+                        <a:spcAft>
+                          <a:spcPts val="800"/>
+                        </a:spcAft>
+                        <a:buFont typeface="Arial" panose="020B0604020202020204" pitchFamily="34" charset="0"/>
+                        <a:buChar char="•"/>
+                        <a:tabLst>
+                          <a:tab pos="457200" algn="l"/>
+                        </a:tabLst>
+                      </a:pPr>
+                      <a:r>
+                        <a:rPr lang="fr-FR" sz="1800" dirty="0">
+                          <a:effectLst/>
+                          <a:latin typeface="Calibri" panose="020F0502020204030204" pitchFamily="34" charset="0"/>
+                          <a:ea typeface="Calibri" panose="020F0502020204030204" pitchFamily="34" charset="0"/>
+                          <a:cs typeface="Times New Roman" panose="02020603050405020304" pitchFamily="18" charset="0"/>
+                        </a:rPr>
+                        <a:t> </a:t>
+                      </a:r>
+                      <a:r>
+                        <a:rPr lang="fr-FR" sz="1800" kern="1200" dirty="0">
+                          <a:solidFill>
+                            <a:schemeClr val="dk1"/>
+                          </a:solidFill>
+                          <a:effectLst/>
+                          <a:latin typeface="+mn-lt"/>
+                          <a:ea typeface="+mn-ea"/>
+                          <a:cs typeface="+mn-cs"/>
+                        </a:rPr>
+                        <a:t>4 Activity reports</a:t>
+                      </a:r>
+                      <a:endParaRPr lang="fr-FR" sz="1800" dirty="0">
+                        <a:effectLst/>
+                        <a:latin typeface="Calibri" panose="020F0502020204030204" pitchFamily="34" charset="0"/>
+                        <a:ea typeface="Calibri" panose="020F0502020204030204" pitchFamily="34" charset="0"/>
+                        <a:cs typeface="Times New Roman" panose="02020603050405020304" pitchFamily="18" charset="0"/>
+                      </a:endParaRPr>
+                    </a:p>
+                  </a:txBody>
+                  <a:tcPr marL="62865" marR="62865" marT="31115" marB="31115" anchor="ctr">
+                    <a:lnL w="12700" cap="flat" cmpd="sng" algn="ctr">
+                      <a:solidFill>
+                        <a:schemeClr val="tx1"/>
+                      </a:solidFill>
+                      <a:prstDash val="solid"/>
+                      <a:round/>
+                      <a:headEnd type="none" w="med" len="med"/>
+                      <a:tailEnd type="none" w="med" len="med"/>
+                    </a:lnL>
+                    <a:lnR w="12700" cap="flat" cmpd="sng" algn="ctr">
+                      <a:solidFill>
+                        <a:schemeClr val="tx1"/>
+                      </a:solidFill>
+                      <a:prstDash val="solid"/>
+                      <a:round/>
+                      <a:headEnd type="none" w="med" len="med"/>
+                      <a:tailEnd type="none" w="med" len="med"/>
+                    </a:lnR>
+                    <a:lnT w="12700" cap="flat" cmpd="sng" algn="ctr">
+                      <a:solidFill>
+                        <a:schemeClr val="tx1"/>
+                      </a:solidFill>
+                      <a:prstDash val="solid"/>
+                      <a:round/>
+                      <a:headEnd type="none" w="med" len="med"/>
+                      <a:tailEnd type="none" w="med" len="med"/>
+                    </a:lnT>
+                    <a:lnB w="12700" cap="flat" cmpd="sng" algn="ctr">
+                      <a:solidFill>
+                        <a:schemeClr val="tx1"/>
+                      </a:solidFill>
+                      <a:prstDash val="solid"/>
+                      <a:round/>
+                      <a:headEnd type="none" w="med" len="med"/>
+                      <a:tailEnd type="none" w="med" len="med"/>
+                    </a:lnB>
+                    <a:noFill/>
+                  </a:tcPr>
+                </a:tc>
+                <a:tc>
+                  <a:txBody>
+                    <a:bodyPr/>
+                    <a:lstStyle/>
+                    <a:p>
+                      <a:pPr algn="ctr">
+                        <a:lnSpc>
+                          <a:spcPct val="107000"/>
+                        </a:lnSpc>
+                        <a:spcAft>
+                          <a:spcPts val="800"/>
+                        </a:spcAft>
+                        <a:buNone/>
+                      </a:pPr>
+                      <a:endParaRPr lang="fr-FR" sz="2000" dirty="0">
+                        <a:effectLst/>
+                      </a:endParaRPr>
+                    </a:p>
+                    <a:p>
+                      <a:pPr algn="ctr">
+                        <a:lnSpc>
+                          <a:spcPct val="107000"/>
+                        </a:lnSpc>
+                        <a:spcAft>
+                          <a:spcPts val="800"/>
+                        </a:spcAft>
+                        <a:buNone/>
+                      </a:pPr>
+                      <a:r>
+                        <a:rPr lang="fr-FR" sz="2000" dirty="0">
+                          <a:effectLst/>
+                        </a:rPr>
+                        <a:t>Planning</a:t>
+                      </a:r>
+                      <a:endParaRPr lang="fr-FR" sz="2000" dirty="0">
+                        <a:effectLst/>
+                        <a:latin typeface="Calibri" panose="020F0502020204030204" pitchFamily="34" charset="0"/>
+                        <a:ea typeface="Calibri" panose="020F0502020204030204" pitchFamily="34" charset="0"/>
+                        <a:cs typeface="Times New Roman" panose="02020603050405020304" pitchFamily="18" charset="0"/>
+                      </a:endParaRPr>
+                    </a:p>
+                  </a:txBody>
+                  <a:tcPr marL="62865" marR="62865" marT="31115" marB="31115" anchor="ctr">
+                    <a:lnL w="12700" cap="flat" cmpd="sng" algn="ctr">
+                      <a:solidFill>
+                        <a:schemeClr val="tx1"/>
+                      </a:solidFill>
+                      <a:prstDash val="solid"/>
+                      <a:round/>
+                      <a:headEnd type="none" w="med" len="med"/>
+                      <a:tailEnd type="none" w="med" len="med"/>
+                    </a:lnL>
+                    <a:lnR w="12700" cap="flat" cmpd="sng" algn="ctr">
+                      <a:solidFill>
+                        <a:schemeClr val="tx1"/>
+                      </a:solidFill>
+                      <a:prstDash val="solid"/>
+                      <a:round/>
+                      <a:headEnd type="none" w="med" len="med"/>
+                      <a:tailEnd type="none" w="med" len="med"/>
+                    </a:lnR>
+                    <a:lnT w="12700" cap="flat" cmpd="sng" algn="ctr">
+                      <a:solidFill>
+                        <a:schemeClr val="tx1"/>
+                      </a:solidFill>
+                      <a:prstDash val="solid"/>
+                      <a:round/>
+                      <a:headEnd type="none" w="med" len="med"/>
+                      <a:tailEnd type="none" w="med" len="med"/>
+                    </a:lnT>
+                    <a:lnB w="12700" cap="flat" cmpd="sng" algn="ctr">
+                      <a:solidFill>
+                        <a:schemeClr val="tx1"/>
+                      </a:solidFill>
+                      <a:prstDash val="solid"/>
+                      <a:round/>
+                      <a:headEnd type="none" w="med" len="med"/>
+                      <a:tailEnd type="none" w="med" len="med"/>
+                    </a:lnB>
+                  </a:tcPr>
+                </a:tc>
+                <a:tc>
+                  <a:txBody>
+                    <a:bodyPr/>
+                    <a:lstStyle/>
+                    <a:p>
+                      <a:pPr>
+                        <a:lnSpc>
+                          <a:spcPct val="107000"/>
+                        </a:lnSpc>
+                        <a:spcAft>
+                          <a:spcPts val="800"/>
+                        </a:spcAft>
+                        <a:buNone/>
+                      </a:pPr>
+                      <a:r>
+                        <a:rPr lang="en-US" sz="1800" kern="1200" dirty="0">
+                          <a:solidFill>
+                            <a:schemeClr val="dk1"/>
+                          </a:solidFill>
+                          <a:effectLst/>
+                          <a:latin typeface="+mn-lt"/>
+                          <a:ea typeface="+mn-ea"/>
+                          <a:cs typeface="+mn-cs"/>
+                        </a:rPr>
+                        <a:t>throughout the duration of the project 1</a:t>
+                      </a:r>
+                      <a:r>
+                        <a:rPr lang="en-US" sz="1800" kern="1200" baseline="30000" dirty="0">
+                          <a:solidFill>
+                            <a:schemeClr val="dk1"/>
+                          </a:solidFill>
+                          <a:effectLst/>
+                          <a:latin typeface="+mn-lt"/>
+                          <a:ea typeface="+mn-ea"/>
+                          <a:cs typeface="+mn-cs"/>
+                        </a:rPr>
+                        <a:t>st</a:t>
+                      </a:r>
+                      <a:r>
+                        <a:rPr lang="en-US" sz="1800" kern="1200" dirty="0">
+                          <a:solidFill>
+                            <a:schemeClr val="dk1"/>
+                          </a:solidFill>
+                          <a:effectLst/>
+                          <a:latin typeface="+mn-lt"/>
+                          <a:ea typeface="+mn-ea"/>
+                          <a:cs typeface="+mn-cs"/>
+                        </a:rPr>
+                        <a:t> iteration</a:t>
+                      </a:r>
+                      <a:endParaRPr lang="fr-FR" sz="2000" dirty="0">
+                        <a:effectLst/>
+                        <a:latin typeface="Calibri" panose="020F0502020204030204" pitchFamily="34" charset="0"/>
+                        <a:ea typeface="Calibri" panose="020F0502020204030204" pitchFamily="34" charset="0"/>
+                        <a:cs typeface="Times New Roman" panose="02020603050405020304" pitchFamily="18" charset="0"/>
+                      </a:endParaRPr>
+                    </a:p>
+                  </a:txBody>
+                  <a:tcPr marL="62865" marR="62865" marT="31115" marB="31115" anchor="ctr">
+                    <a:lnL w="12700" cap="flat" cmpd="sng" algn="ctr">
+                      <a:solidFill>
+                        <a:schemeClr val="tx1"/>
+                      </a:solidFill>
+                      <a:prstDash val="solid"/>
+                      <a:round/>
+                      <a:headEnd type="none" w="med" len="med"/>
+                      <a:tailEnd type="none" w="med" len="med"/>
+                    </a:lnL>
+                    <a:lnR w="12700" cap="flat" cmpd="sng" algn="ctr">
+                      <a:solidFill>
+                        <a:schemeClr val="tx1"/>
+                      </a:solidFill>
+                      <a:prstDash val="solid"/>
+                      <a:round/>
+                      <a:headEnd type="none" w="med" len="med"/>
+                      <a:tailEnd type="none" w="med" len="med"/>
+                    </a:lnR>
+                    <a:lnT w="12700" cap="flat" cmpd="sng" algn="ctr">
+                      <a:solidFill>
+                        <a:schemeClr val="tx1"/>
+                      </a:solidFill>
+                      <a:prstDash val="solid"/>
+                      <a:round/>
+                      <a:headEnd type="none" w="med" len="med"/>
+                      <a:tailEnd type="none" w="med" len="med"/>
+                    </a:lnT>
+                    <a:lnB w="12700" cap="flat" cmpd="sng" algn="ctr">
+                      <a:solidFill>
+                        <a:schemeClr val="tx1"/>
+                      </a:solidFill>
+                      <a:prstDash val="solid"/>
+                      <a:round/>
+                      <a:headEnd type="none" w="med" len="med"/>
+                      <a:tailEnd type="none" w="med" len="med"/>
+                    </a:lnB>
+                    <a:noFill/>
+                  </a:tcPr>
+                </a:tc>
+                <a:extLst>
+                  <a:ext uri="{0D108BD9-81ED-4DB2-BD59-A6C34878D82A}">
+                    <a16:rowId xmlns:a16="http://schemas.microsoft.com/office/drawing/2014/main" val="470176041"/>
+                  </a:ext>
+                </a:extLst>
+              </a:tr>
+            </a:tbl>
+          </a:graphicData>
+        </a:graphic>
+      </p:graphicFrame>
+      <p:pic>
+        <p:nvPicPr>
+          <p:cNvPr id="7" name="Picture 6">
+            <a:extLst>
+              <a:ext uri="{FF2B5EF4-FFF2-40B4-BE49-F238E27FC236}">
+                <a16:creationId xmlns:a16="http://schemas.microsoft.com/office/drawing/2014/main" id="{64AA7F5E-FFC5-0731-C5CB-6EC9E3F26912}"/>
+              </a:ext>
+            </a:extLst>
+          </p:cNvPr>
+          <p:cNvPicPr>
+            <a:picLocks noChangeAspect="1"/>
+          </p:cNvPicPr>
+          <p:nvPr/>
+        </p:nvPicPr>
+        <p:blipFill>
+          <a:blip r:embed="rId2" cstate="print">
+            <a:duotone>
+              <a:prstClr val="black"/>
+              <a:schemeClr val="accent6">
+                <a:tint val="45000"/>
+                <a:satMod val="400000"/>
+              </a:schemeClr>
+            </a:duotone>
+            <a:extLst>
+              <a:ext uri="{28A0092B-C50C-407E-A947-70E740481C1C}">
+                <a14:useLocalDpi xmlns:a14="http://schemas.microsoft.com/office/drawing/2010/main" val="0"/>
+              </a:ext>
+            </a:extLst>
+          </a:blip>
+          <a:srcRect/>
+          <a:stretch>
+            <a:fillRect/>
+          </a:stretch>
+        </p:blipFill>
+        <p:spPr bwMode="auto">
+          <a:xfrm>
+            <a:off x="1067349" y="2381412"/>
+            <a:ext cx="478324" cy="478324"/>
+          </a:xfrm>
+          <a:prstGeom prst="rect">
+            <a:avLst/>
+          </a:prstGeom>
+          <a:noFill/>
+          <a:ln>
+            <a:solidFill>
+              <a:schemeClr val="bg2"/>
+            </a:solidFill>
+          </a:ln>
+        </p:spPr>
+      </p:pic>
+      <p:pic>
+        <p:nvPicPr>
+          <p:cNvPr id="8" name="Picture 8">
+            <a:extLst>
+              <a:ext uri="{FF2B5EF4-FFF2-40B4-BE49-F238E27FC236}">
+                <a16:creationId xmlns:a16="http://schemas.microsoft.com/office/drawing/2014/main" id="{3E288817-E6D1-51B8-8248-D298E6DE05F8}"/>
+              </a:ext>
+            </a:extLst>
+          </p:cNvPr>
+          <p:cNvPicPr>
+            <a:picLocks noChangeAspect="1"/>
+          </p:cNvPicPr>
+          <p:nvPr/>
+        </p:nvPicPr>
+        <p:blipFill>
+          <a:blip r:embed="rId3" cstate="print">
+            <a:duotone>
+              <a:prstClr val="black"/>
+              <a:schemeClr val="accent6">
+                <a:tint val="45000"/>
+                <a:satMod val="400000"/>
+              </a:schemeClr>
+            </a:duotone>
+            <a:extLst>
+              <a:ext uri="{28A0092B-C50C-407E-A947-70E740481C1C}">
+                <a14:useLocalDpi xmlns:a14="http://schemas.microsoft.com/office/drawing/2010/main" val="0"/>
+              </a:ext>
+            </a:extLst>
+          </a:blip>
+          <a:srcRect/>
+          <a:stretch>
+            <a:fillRect/>
+          </a:stretch>
+        </p:blipFill>
+        <p:spPr bwMode="auto">
+          <a:xfrm>
+            <a:off x="961367" y="3458112"/>
+            <a:ext cx="708878" cy="387479"/>
+          </a:xfrm>
+          <a:prstGeom prst="rect">
+            <a:avLst/>
+          </a:prstGeom>
+          <a:noFill/>
+        </p:spPr>
+      </p:pic>
+      <p:pic>
+        <p:nvPicPr>
+          <p:cNvPr id="9" name="Picture 10">
+            <a:extLst>
+              <a:ext uri="{FF2B5EF4-FFF2-40B4-BE49-F238E27FC236}">
+                <a16:creationId xmlns:a16="http://schemas.microsoft.com/office/drawing/2014/main" id="{A6F5013B-A16A-EC3C-A9DF-9C64E9A7E335}"/>
+              </a:ext>
+            </a:extLst>
+          </p:cNvPr>
+          <p:cNvPicPr>
+            <a:picLocks noChangeAspect="1"/>
+          </p:cNvPicPr>
+          <p:nvPr/>
+        </p:nvPicPr>
+        <p:blipFill>
+          <a:blip r:embed="rId4" cstate="print">
+            <a:duotone>
+              <a:prstClr val="black"/>
+              <a:schemeClr val="accent6">
+                <a:tint val="45000"/>
+                <a:satMod val="400000"/>
+              </a:schemeClr>
+            </a:duotone>
+            <a:extLst>
+              <a:ext uri="{28A0092B-C50C-407E-A947-70E740481C1C}">
+                <a14:useLocalDpi xmlns:a14="http://schemas.microsoft.com/office/drawing/2010/main" val="0"/>
+              </a:ext>
+            </a:extLst>
+          </a:blip>
+          <a:srcRect/>
+          <a:stretch>
+            <a:fillRect/>
+          </a:stretch>
+        </p:blipFill>
+        <p:spPr bwMode="auto">
+          <a:xfrm>
+            <a:off x="1076644" y="4989835"/>
+            <a:ext cx="459734" cy="445588"/>
+          </a:xfrm>
+          <a:prstGeom prst="rect">
+            <a:avLst/>
+          </a:prstGeom>
+          <a:noFill/>
+        </p:spPr>
+      </p:pic>
+      <p:pic>
+        <p:nvPicPr>
+          <p:cNvPr id="10" name="Picture 12">
+            <a:extLst>
+              <a:ext uri="{FF2B5EF4-FFF2-40B4-BE49-F238E27FC236}">
+                <a16:creationId xmlns:a16="http://schemas.microsoft.com/office/drawing/2014/main" id="{5E4D7C6E-E949-12E2-43C7-BF837B47D581}"/>
+              </a:ext>
+            </a:extLst>
+          </p:cNvPr>
+          <p:cNvPicPr>
+            <a:picLocks noChangeAspect="1"/>
+          </p:cNvPicPr>
+          <p:nvPr/>
+        </p:nvPicPr>
+        <p:blipFill>
+          <a:blip r:embed="rId5" cstate="print">
+            <a:duotone>
+              <a:prstClr val="black"/>
+              <a:schemeClr val="accent6">
+                <a:tint val="45000"/>
+                <a:satMod val="400000"/>
+              </a:schemeClr>
+            </a:duotone>
+            <a:extLst>
+              <a:ext uri="{28A0092B-C50C-407E-A947-70E740481C1C}">
+                <a14:useLocalDpi xmlns:a14="http://schemas.microsoft.com/office/drawing/2010/main" val="0"/>
+              </a:ext>
+            </a:extLst>
+          </a:blip>
+          <a:srcRect/>
+          <a:stretch>
+            <a:fillRect/>
+          </a:stretch>
+        </p:blipFill>
+        <p:spPr bwMode="auto">
+          <a:xfrm>
+            <a:off x="7968208" y="5056206"/>
+            <a:ext cx="445588" cy="445588"/>
+          </a:xfrm>
+          <a:prstGeom prst="rect">
+            <a:avLst/>
+          </a:prstGeom>
+          <a:solidFill>
+            <a:schemeClr val="bg1"/>
+          </a:solidFill>
+        </p:spPr>
+      </p:pic>
+    </p:spTree>
+    <p:extLst>
+      <p:ext uri="{BB962C8B-B14F-4D97-AF65-F5344CB8AC3E}">
+        <p14:creationId xmlns:p14="http://schemas.microsoft.com/office/powerpoint/2010/main" val="971252930"/>
+      </p:ext>
+    </p:extLst>
+  </p:cSld>
+  <p:clrMapOvr>
+    <a:masterClrMapping/>
+  </p:clrMapOvr>
+</p:sld>
+</file>
+
+<file path=ppt/slides/slide11.xml><?xml version="1.0" encoding="utf-8"?>
+<p:sld xmlns:a="http://schemas.openxmlformats.org/drawingml/2006/main" xmlns:r="http://schemas.openxmlformats.org/officeDocument/2006/relationships" xmlns:p="http://schemas.openxmlformats.org/presentationml/2006/main">
+  <p:cSld>
+    <p:spTree>
+      <p:nvGrpSpPr>
+        <p:cNvPr id="1" name="">
+          <a:extLst>
+            <a:ext uri="{FF2B5EF4-FFF2-40B4-BE49-F238E27FC236}">
               <a16:creationId xmlns:a16="http://schemas.microsoft.com/office/drawing/2014/main" id="{7C082759-CA2D-91D6-D9C0-8CD224120F55}"/>
             </a:ext>
           </a:extLst>
@@ -8838,7 +10100,7 @@
             <a:fld id="{CF863F24-FD3B-42A9-B2F4-21504D34347E}" type="slidenum">
               <a:rPr lang="fr-FR" smtClean="0"/>
               <a:pPr/>
-              <a:t>10</a:t>
+              <a:t>11</a:t>
             </a:fld>
             <a:endParaRPr lang="fr-FR" dirty="0"/>
           </a:p>
@@ -10037,7 +11299,7 @@
 </p:sld>
 </file>
 
-<file path=ppt/slides/slide11.xml><?xml version="1.0" encoding="utf-8"?>
+<file path=ppt/slides/slide12.xml><?xml version="1.0" encoding="utf-8"?>
 <p:sld xmlns:a="http://schemas.openxmlformats.org/drawingml/2006/main" xmlns:r="http://schemas.openxmlformats.org/officeDocument/2006/relationships" xmlns:p="http://schemas.openxmlformats.org/presentationml/2006/main">
   <p:cSld>
     <p:spTree>
@@ -10219,7 +11481,7 @@
 </p:sld>
 </file>
 
-<file path=ppt/slides/slide12.xml><?xml version="1.0" encoding="utf-8"?>
+<file path=ppt/slides/slide13.xml><?xml version="1.0" encoding="utf-8"?>
 <p:sld xmlns:a="http://schemas.openxmlformats.org/drawingml/2006/main" xmlns:r="http://schemas.openxmlformats.org/officeDocument/2006/relationships" xmlns:p="http://schemas.openxmlformats.org/presentationml/2006/main">
   <p:cSld>
     <p:spTree>
@@ -10266,7 +11528,7 @@
             <a:fld id="{CF863F24-FD3B-42A9-B2F4-21504D34347E}" type="slidenum">
               <a:rPr lang="fr-FR" smtClean="0"/>
               <a:pPr/>
-              <a:t>12</a:t>
+              <a:t>13</a:t>
             </a:fld>
             <a:endParaRPr lang="fr-FR" dirty="0"/>
           </a:p>
@@ -10345,7 +11607,15 @@
             </a:pPr>
             <a:r>
               <a:rPr lang="fr-FR" sz="2400" dirty="0"/>
-              <a:t>Pays : EU 27 + UK</a:t>
+              <a:t>Pays : EU 27 + </a:t>
+            </a:r>
+            <a:r>
+              <a:rPr lang="fr-FR" sz="2400" dirty="0">
+                <a:highlight>
+                  <a:srgbClr val="FFFF00"/>
+                </a:highlight>
+              </a:rPr>
+              <a:t>UK</a:t>
             </a:r>
           </a:p>
           <a:p>
@@ -10486,7 +11756,7 @@
 </p:sld>
 </file>
 
-<file path=ppt/slides/slide13.xml><?xml version="1.0" encoding="utf-8"?>
+<file path=ppt/slides/slide14.xml><?xml version="1.0" encoding="utf-8"?>
 <p:sld xmlns:a="http://schemas.openxmlformats.org/drawingml/2006/main" xmlns:r="http://schemas.openxmlformats.org/officeDocument/2006/relationships" xmlns:p="http://schemas.openxmlformats.org/presentationml/2006/main">
   <p:cSld>
     <p:spTree>
@@ -10527,7 +11797,7 @@
             <a:fld id="{CF863F24-FD3B-42A9-B2F4-21504D34347E}" type="slidenum">
               <a:rPr lang="fr-FR" smtClean="0"/>
               <a:pPr/>
-              <a:t>13</a:t>
+              <a:t>14</a:t>
             </a:fld>
             <a:endParaRPr lang="fr-FR" dirty="0"/>
           </a:p>
@@ -10585,7 +11855,9 @@
           </a:xfrm>
         </p:spPr>
         <p:txBody>
-          <a:bodyPr/>
+          <a:bodyPr>
+            <a:normAutofit fontScale="92500" lnSpcReduction="10000"/>
+          </a:bodyPr>
           <a:lstStyle/>
           <a:p>
             <a:pPr>
@@ -10645,12 +11917,6 @@
               </a:rPr>
               <a:t>URL</a:t>
             </a:r>
-            <a:endParaRPr lang="fr-FR" dirty="0">
-              <a:effectLst/>
-              <a:latin typeface="Calibri" panose="020F0502020204030204" pitchFamily="34" charset="0"/>
-              <a:ea typeface="Times New Roman" panose="02020603050405020304" pitchFamily="18" charset="0"/>
-              <a:cs typeface="Times New Roman" panose="02020603050405020304" pitchFamily="18" charset="0"/>
-            </a:endParaRPr>
           </a:p>
           <a:p>
             <a:pPr marL="1067314" lvl="2" indent="-342900" algn="just">
@@ -10662,19 +11928,12 @@
             </a:pPr>
             <a:r>
               <a:rPr lang="en-US" dirty="0">
-                <a:effectLst/>
                 <a:latin typeface="Calibri" panose="020F0502020204030204" pitchFamily="34" charset="0"/>
                 <a:ea typeface="Times New Roman" panose="02020603050405020304" pitchFamily="18" charset="0"/>
                 <a:cs typeface="Calibri" panose="020F0502020204030204" pitchFamily="34" charset="0"/>
               </a:rPr>
-              <a:t>Country</a:t>
-            </a:r>
-            <a:endParaRPr lang="fr-FR" dirty="0">
-              <a:effectLst/>
-              <a:latin typeface="Calibri" panose="020F0502020204030204" pitchFamily="34" charset="0"/>
-              <a:ea typeface="Times New Roman" panose="02020603050405020304" pitchFamily="18" charset="0"/>
-              <a:cs typeface="Times New Roman" panose="02020603050405020304" pitchFamily="18" charset="0"/>
-            </a:endParaRPr>
+              <a:t>URL endpoint(s)</a:t>
+            </a:r>
           </a:p>
           <a:p>
             <a:pPr marL="1067314" lvl="2" indent="-342900" algn="just">
@@ -10685,6 +11944,48 @@
               <a:buChar char="-"/>
             </a:pPr>
             <a:r>
+              <a:rPr lang="fr-FR" dirty="0">
+                <a:effectLst/>
+                <a:latin typeface="Calibri" panose="020F0502020204030204" pitchFamily="34" charset="0"/>
+                <a:ea typeface="Times New Roman" panose="02020603050405020304" pitchFamily="18" charset="0"/>
+                <a:cs typeface="Times New Roman" panose="02020603050405020304" pitchFamily="18" charset="0"/>
+              </a:rPr>
+              <a:t>URL doc/model</a:t>
+            </a:r>
+          </a:p>
+          <a:p>
+            <a:pPr marL="1067314" lvl="2" indent="-342900" algn="just">
+              <a:lnSpc>
+                <a:spcPct val="110000"/>
+              </a:lnSpc>
+              <a:buFont typeface="Arial" panose="020B0604020202020204" pitchFamily="34" charset="0"/>
+              <a:buChar char="-"/>
+            </a:pPr>
+            <a:r>
+              <a:rPr lang="en-US" dirty="0">
+                <a:effectLst/>
+                <a:latin typeface="Calibri" panose="020F0502020204030204" pitchFamily="34" charset="0"/>
+                <a:ea typeface="Times New Roman" panose="02020603050405020304" pitchFamily="18" charset="0"/>
+                <a:cs typeface="Calibri" panose="020F0502020204030204" pitchFamily="34" charset="0"/>
+              </a:rPr>
+              <a:t>Country</a:t>
+            </a:r>
+            <a:endParaRPr lang="fr-FR" dirty="0">
+              <a:effectLst/>
+              <a:latin typeface="Calibri" panose="020F0502020204030204" pitchFamily="34" charset="0"/>
+              <a:ea typeface="Times New Roman" panose="02020603050405020304" pitchFamily="18" charset="0"/>
+              <a:cs typeface="Times New Roman" panose="02020603050405020304" pitchFamily="18" charset="0"/>
+            </a:endParaRPr>
+          </a:p>
+          <a:p>
+            <a:pPr marL="1067314" lvl="2" indent="-342900" algn="just">
+              <a:lnSpc>
+                <a:spcPct val="110000"/>
+              </a:lnSpc>
+              <a:buFont typeface="Arial" panose="020B0604020202020204" pitchFamily="34" charset="0"/>
+              <a:buChar char="-"/>
+            </a:pPr>
+            <a:r>
               <a:rPr lang="en-US" dirty="0">
                 <a:effectLst/>
                 <a:latin typeface="Calibri" panose="020F0502020204030204" pitchFamily="34" charset="0"/>
@@ -10765,12 +12066,79 @@
               </a:rPr>
               <a:t>Contact organization</a:t>
             </a:r>
-            <a:endParaRPr lang="fr-FR" dirty="0">
-              <a:effectLst/>
-              <a:latin typeface="Calibri" panose="020F0502020204030204" pitchFamily="34" charset="0"/>
-              <a:ea typeface="Times New Roman" panose="02020603050405020304" pitchFamily="18" charset="0"/>
-              <a:cs typeface="Times New Roman" panose="02020603050405020304" pitchFamily="18" charset="0"/>
-            </a:endParaRPr>
+          </a:p>
+          <a:p>
+            <a:pPr marL="1010164" lvl="2" indent="-285750" algn="just">
+              <a:lnSpc>
+                <a:spcPct val="110000"/>
+              </a:lnSpc>
+              <a:buFontTx/>
+              <a:buChar char="-"/>
+            </a:pPr>
+            <a:r>
+              <a:rPr lang="fr-FR" dirty="0" err="1">
+                <a:latin typeface="Calibri" panose="020F0502020204030204" pitchFamily="34" charset="0"/>
+                <a:ea typeface="Times New Roman" panose="02020603050405020304" pitchFamily="18" charset="0"/>
+                <a:cs typeface="Times New Roman" panose="02020603050405020304" pitchFamily="18" charset="0"/>
+              </a:rPr>
+              <a:t>Contributor</a:t>
+            </a:r>
+            <a:r>
+              <a:rPr lang="fr-FR" dirty="0">
+                <a:latin typeface="Calibri" panose="020F0502020204030204" pitchFamily="34" charset="0"/>
+                <a:ea typeface="Times New Roman" panose="02020603050405020304" pitchFamily="18" charset="0"/>
+                <a:cs typeface="Times New Roman" panose="02020603050405020304" pitchFamily="18" charset="0"/>
+              </a:rPr>
+              <a:t> </a:t>
+            </a:r>
+            <a:r>
+              <a:rPr lang="fr-FR" dirty="0" err="1">
+                <a:latin typeface="Calibri" panose="020F0502020204030204" pitchFamily="34" charset="0"/>
+                <a:ea typeface="Times New Roman" panose="02020603050405020304" pitchFamily="18" charset="0"/>
+                <a:cs typeface="Times New Roman" panose="02020603050405020304" pitchFamily="18" charset="0"/>
+              </a:rPr>
+              <a:t>name</a:t>
+            </a:r>
+            <a:r>
+              <a:rPr lang="fr-FR" dirty="0">
+                <a:latin typeface="Calibri" panose="020F0502020204030204" pitchFamily="34" charset="0"/>
+                <a:ea typeface="Times New Roman" panose="02020603050405020304" pitchFamily="18" charset="0"/>
+                <a:cs typeface="Times New Roman" panose="02020603050405020304" pitchFamily="18" charset="0"/>
+              </a:rPr>
+              <a:t> (people </a:t>
+            </a:r>
+            <a:r>
+              <a:rPr lang="fr-FR" dirty="0" err="1">
+                <a:latin typeface="Calibri" panose="020F0502020204030204" pitchFamily="34" charset="0"/>
+                <a:ea typeface="Times New Roman" panose="02020603050405020304" pitchFamily="18" charset="0"/>
+                <a:cs typeface="Times New Roman" panose="02020603050405020304" pitchFamily="18" charset="0"/>
+              </a:rPr>
+              <a:t>who</a:t>
+            </a:r>
+            <a:r>
+              <a:rPr lang="fr-FR" dirty="0">
+                <a:latin typeface="Calibri" panose="020F0502020204030204" pitchFamily="34" charset="0"/>
+                <a:ea typeface="Times New Roman" panose="02020603050405020304" pitchFamily="18" charset="0"/>
+                <a:cs typeface="Times New Roman" panose="02020603050405020304" pitchFamily="18" charset="0"/>
+              </a:rPr>
+              <a:t> </a:t>
+            </a:r>
+            <a:r>
+              <a:rPr lang="fr-FR" dirty="0" err="1">
+                <a:latin typeface="Calibri" panose="020F0502020204030204" pitchFamily="34" charset="0"/>
+                <a:ea typeface="Times New Roman" panose="02020603050405020304" pitchFamily="18" charset="0"/>
+                <a:cs typeface="Times New Roman" panose="02020603050405020304" pitchFamily="18" charset="0"/>
+              </a:rPr>
+              <a:t>provide</a:t>
+            </a:r>
+            <a:r>
+              <a:rPr lang="fr-FR" dirty="0">
+                <a:latin typeface="Calibri" panose="020F0502020204030204" pitchFamily="34" charset="0"/>
+                <a:ea typeface="Times New Roman" panose="02020603050405020304" pitchFamily="18" charset="0"/>
+                <a:cs typeface="Times New Roman" panose="02020603050405020304" pitchFamily="18" charset="0"/>
+              </a:rPr>
+              <a:t> the information)</a:t>
+            </a:r>
           </a:p>
           <a:p>
             <a:pPr marL="1067314" lvl="2" indent="-342900" algn="just">
@@ -10790,7 +12158,66 @@
                 <a:ea typeface="Times New Roman" panose="02020603050405020304" pitchFamily="18" charset="0"/>
                 <a:cs typeface="Calibri" panose="020F0502020204030204" pitchFamily="34" charset="0"/>
               </a:rPr>
-              <a:t>Keywords in English and in national language.</a:t>
+              <a:t>Keywords in English and in national language (</a:t>
+            </a:r>
+            <a:r>
+              <a:rPr lang="en-US" dirty="0">
+                <a:effectLst/>
+                <a:highlight>
+                  <a:srgbClr val="FFFF00"/>
+                </a:highlight>
+                <a:latin typeface="Calibri" panose="020F0502020204030204" pitchFamily="34" charset="0"/>
+                <a:ea typeface="Times New Roman" panose="02020603050405020304" pitchFamily="18" charset="0"/>
+                <a:cs typeface="Calibri" panose="020F0502020204030204" pitchFamily="34" charset="0"/>
+              </a:rPr>
+              <a:t>in full tex</a:t>
+            </a:r>
+            <a:r>
+              <a:rPr lang="en-US" dirty="0">
+                <a:highlight>
+                  <a:srgbClr val="FFFF00"/>
+                </a:highlight>
+                <a:latin typeface="Calibri" panose="020F0502020204030204" pitchFamily="34" charset="0"/>
+                <a:ea typeface="Times New Roman" panose="02020603050405020304" pitchFamily="18" charset="0"/>
+                <a:cs typeface="Calibri" panose="020F0502020204030204" pitchFamily="34" charset="0"/>
+              </a:rPr>
+              <a:t>t search interface</a:t>
+            </a:r>
+            <a:r>
+              <a:rPr lang="en-US" dirty="0">
+                <a:effectLst/>
+                <a:highlight>
+                  <a:srgbClr val="FFFF00"/>
+                </a:highlight>
+                <a:latin typeface="Calibri" panose="020F0502020204030204" pitchFamily="34" charset="0"/>
+                <a:ea typeface="Times New Roman" panose="02020603050405020304" pitchFamily="18" charset="0"/>
+                <a:cs typeface="Calibri" panose="020F0502020204030204" pitchFamily="34" charset="0"/>
+              </a:rPr>
+              <a:t>) =&gt; </a:t>
+            </a:r>
+            <a:r>
+              <a:rPr lang="en-US" dirty="0" err="1">
+                <a:effectLst/>
+                <a:highlight>
+                  <a:srgbClr val="FFFF00"/>
+                </a:highlight>
+                <a:latin typeface="Calibri" panose="020F0502020204030204" pitchFamily="34" charset="0"/>
+                <a:ea typeface="Times New Roman" panose="02020603050405020304" pitchFamily="18" charset="0"/>
+                <a:cs typeface="Calibri" panose="020F0502020204030204" pitchFamily="34" charset="0"/>
+              </a:rPr>
+              <a:t>websem</a:t>
+            </a:r>
+            <a:r>
+              <a:rPr lang="en-US" dirty="0">
+                <a:effectLst/>
+                <a:highlight>
+                  <a:srgbClr val="FFFF00"/>
+                </a:highlight>
+                <a:latin typeface="Calibri" panose="020F0502020204030204" pitchFamily="34" charset="0"/>
+                <a:ea typeface="Times New Roman" panose="02020603050405020304" pitchFamily="18" charset="0"/>
+                <a:cs typeface="Calibri" panose="020F0502020204030204" pitchFamily="34" charset="0"/>
+              </a:rPr>
+              <a:t>/thesaurus</a:t>
             </a:r>
           </a:p>
           <a:p>
@@ -10816,7 +12243,15 @@
             </a:pPr>
             <a:r>
               <a:rPr lang="fr-FR" sz="2200" dirty="0"/>
-              <a:t>- GitHub</a:t>
+              <a:t>- GitHub (+ éventuellement </a:t>
+            </a:r>
+            <a:r>
+              <a:rPr lang="fr-FR" sz="2200" dirty="0" err="1"/>
+              <a:t>GitLab</a:t>
+            </a:r>
+            <a:r>
+              <a:rPr lang="fr-FR" sz="2200" dirty="0"/>
+              <a:t> BRGM)</a:t>
             </a:r>
           </a:p>
           <a:p>
@@ -10839,7 +12274,19 @@
               <a:rPr lang="fr-FR" sz="2400" dirty="0">
                 <a:sym typeface="Wingdings" panose="05000000000000000000" pitchFamily="2" charset="2"/>
               </a:rPr>
-              <a:t> fichier Excel</a:t>
+              <a:t> fichier Excel (google </a:t>
+            </a:r>
+            <a:r>
+              <a:rPr lang="fr-FR" sz="2400" dirty="0" err="1">
+                <a:sym typeface="Wingdings" panose="05000000000000000000" pitchFamily="2" charset="2"/>
+              </a:rPr>
+              <a:t>spreadsheet</a:t>
+            </a:r>
+            <a:r>
+              <a:rPr lang="fr-FR" sz="2400" dirty="0">
+                <a:sym typeface="Wingdings" panose="05000000000000000000" pitchFamily="2" charset="2"/>
+              </a:rPr>
+              <a:t>)</a:t>
             </a:r>
             <a:endParaRPr lang="fr-FR" sz="2400" dirty="0"/>
           </a:p>
@@ -10903,7 +12350,7 @@
 </p:sld>
 </file>
 
-<file path=ppt/slides/slide14.xml><?xml version="1.0" encoding="utf-8"?>
+<file path=ppt/slides/slide15.xml><?xml version="1.0" encoding="utf-8"?>
 <p:sld xmlns:a="http://schemas.openxmlformats.org/drawingml/2006/main" xmlns:r="http://schemas.openxmlformats.org/officeDocument/2006/relationships" xmlns:p="http://schemas.openxmlformats.org/presentationml/2006/main">
   <p:cSld>
     <p:spTree>
@@ -10944,7 +12391,7 @@
             <a:fld id="{CF863F24-FD3B-42A9-B2F4-21504D34347E}" type="slidenum">
               <a:rPr lang="fr-FR" smtClean="0"/>
               <a:pPr/>
-              <a:t>14</a:t>
+              <a:t>15</a:t>
             </a:fld>
             <a:endParaRPr lang="fr-FR" dirty="0"/>
           </a:p>
@@ -11079,7 +12526,11 @@
           <a:p>
             <a:pPr lvl="1"/>
             <a:r>
-              <a:rPr lang="fr-FR" dirty="0"/>
+              <a:rPr lang="fr-FR" dirty="0">
+                <a:highlight>
+                  <a:srgbClr val="FFFF00"/>
+                </a:highlight>
+              </a:rPr>
               <a:t>Mercredi 21 mai après-midi</a:t>
             </a:r>
           </a:p>
@@ -11129,7 +12580,7 @@
 </p:sld>
 </file>
 
-<file path=ppt/slides/slide15.xml><?xml version="1.0" encoding="utf-8"?>
+<file path=ppt/slides/slide16.xml><?xml version="1.0" encoding="utf-8"?>
 <p:sld xmlns:a="http://schemas.openxmlformats.org/drawingml/2006/main" xmlns:r="http://schemas.openxmlformats.org/officeDocument/2006/relationships" xmlns:p="http://schemas.openxmlformats.org/presentationml/2006/main">
   <p:cSld>
     <p:spTree>
@@ -11308,7 +12759,7 @@
 </p:sld>
 </file>
 
-<file path=ppt/slides/slide16.xml><?xml version="1.0" encoding="utf-8"?>
+<file path=ppt/slides/slide17.xml><?xml version="1.0" encoding="utf-8"?>
 <p:sld xmlns:a="http://schemas.openxmlformats.org/drawingml/2006/main" xmlns:r="http://schemas.openxmlformats.org/officeDocument/2006/relationships" xmlns:p="http://schemas.openxmlformats.org/presentationml/2006/main">
   <p:cSld>
     <p:spTree>
@@ -11349,7 +12800,7 @@
             <a:fld id="{CF863F24-FD3B-42A9-B2F4-21504D34347E}" type="slidenum">
               <a:rPr lang="fr-FR" smtClean="0"/>
               <a:pPr/>
-              <a:t>16</a:t>
+              <a:t>17</a:t>
             </a:fld>
             <a:endParaRPr lang="fr-FR" dirty="0"/>
           </a:p>
@@ -11512,7 +12963,7 @@
 </p:sld>
 </file>
 
-<file path=ppt/slides/slide17.xml><?xml version="1.0" encoding="utf-8"?>
+<file path=ppt/slides/slide18.xml><?xml version="1.0" encoding="utf-8"?>
 <p:sld xmlns:a="http://schemas.openxmlformats.org/drawingml/2006/main" xmlns:r="http://schemas.openxmlformats.org/officeDocument/2006/relationships" xmlns:p="http://schemas.openxmlformats.org/presentationml/2006/main">
   <p:cSld>
     <p:spTree>
@@ -11742,7 +13193,7 @@
             </a:pPr>
             <a:r>
               <a:rPr lang="fr-FR" sz="2000" dirty="0"/>
-              <a:t>Rappel des objectifs de la mission</a:t>
+              <a:t>Présentation du projet</a:t>
             </a:r>
           </a:p>
         </p:txBody>
@@ -12740,10 +14191,10 @@
           <p:nvPr/>
         </p:nvPicPr>
         <p:blipFill>
-          <a:blip r:embed="rId3">
+          <a:blip r:embed="rId2">
             <a:extLst>
               <a:ext uri="{96DAC541-7B7A-43D3-8B79-37D633B846F1}">
-                <asvg:svgBlip xmlns:asvg="http://schemas.microsoft.com/office/drawing/2016/SVG/main" r:embed="rId4"/>
+                <asvg:svgBlip xmlns:asvg="http://schemas.microsoft.com/office/drawing/2016/SVG/main" r:embed="rId3"/>
               </a:ext>
             </a:extLst>
           </a:blip>
@@ -13404,12 +14855,12 @@
                         <a:buNone/>
                       </a:pPr>
                       <a:r>
-                        <a:rPr lang="en-US" sz="1400">
+                        <a:rPr lang="en-US" sz="1400" dirty="0">
                           <a:effectLst/>
                         </a:rPr>
                         <a:t>Task 4: Sharing and testing those activities with the Water4All community</a:t>
                       </a:r>
-                      <a:endParaRPr lang="fr-FR" sz="1400">
+                      <a:endParaRPr lang="fr-FR" sz="1400" dirty="0">
                         <a:effectLst/>
                       </a:endParaRPr>
                     </a:p>
@@ -13424,12 +14875,12 @@
                         <a:buNone/>
                       </a:pPr>
                       <a:r>
-                        <a:rPr lang="en-US" sz="1400">
+                        <a:rPr lang="en-US" sz="1400" dirty="0">
                           <a:effectLst/>
                         </a:rPr>
                         <a:t> </a:t>
                       </a:r>
-                      <a:endParaRPr lang="fr-FR" sz="1400">
+                      <a:endParaRPr lang="fr-FR" sz="1400" dirty="0">
                         <a:effectLst/>
                         <a:latin typeface="Calibri" panose="020F0502020204030204" pitchFamily="34" charset="0"/>
                         <a:ea typeface="Calibri" panose="020F0502020204030204" pitchFamily="34" charset="0"/>
@@ -20040,15 +21491,6 @@
 </file>
 
 <file path=customXml/item1.xml><?xml version="1.0" encoding="utf-8"?>
-<?mso-contentType ?>
-<FormTemplates xmlns="http://schemas.microsoft.com/sharepoint/v3/contenttype/forms">
-  <Display>DocumentLibraryForm</Display>
-  <Edit>DocumentLibraryForm</Edit>
-  <New>DocumentLibraryForm</New>
-</FormTemplates>
-</file>
-
-<file path=customXml/item2.xml><?xml version="1.0" encoding="utf-8"?>
 <ct:contentTypeSchema xmlns:ct="http://schemas.microsoft.com/office/2006/metadata/contentType" xmlns:ma="http://schemas.microsoft.com/office/2006/metadata/properties/metaAttributes" ct:_="" ma:_="" ma:contentTypeName="Document" ma:contentTypeID="0x010100E04037201B210542BB7856C6C5436C53" ma:contentTypeVersion="27" ma:contentTypeDescription="Crée un document." ma:contentTypeScope="" ma:versionID="c66cb58a2ca7b5e397705ed89271333e">
   <xsd:schema xmlns:xsd="http://www.w3.org/2001/XMLSchema" xmlns:xs="http://www.w3.org/2001/XMLSchema" xmlns:p="http://schemas.microsoft.com/office/2006/metadata/properties" xmlns:ns2="b0b2fdd7-e74f-4b49-9b73-a527960b43bd" xmlns:ns3="181a2987-2a89-4bf7-add7-7b5c6472c9ae" targetNamespace="http://schemas.microsoft.com/office/2006/metadata/properties" ma:root="true" ma:fieldsID="0734f6f09691f8c50391e9aaaa97640b" ns2:_="" ns3:_="">
     <xsd:import namespace="b0b2fdd7-e74f-4b49-9b73-a527960b43bd"/>
@@ -20347,6 +21789,15 @@
 </ct:contentTypeSchema>
 </file>
 
+<file path=customXml/item2.xml><?xml version="1.0" encoding="utf-8"?>
+<?mso-contentType ?>
+<FormTemplates xmlns="http://schemas.microsoft.com/sharepoint/v3/contenttype/forms">
+  <Display>DocumentLibraryForm</Display>
+  <Edit>DocumentLibraryForm</Edit>
+  <New>DocumentLibraryForm</New>
+</FormTemplates>
+</file>
+
 <file path=customXml/item3.xml><?xml version="1.0" encoding="utf-8"?>
 <p:properties xmlns:p="http://schemas.microsoft.com/office/2006/metadata/properties" xmlns:xsi="http://www.w3.org/2001/XMLSchema-instance" xmlns:pc="http://schemas.microsoft.com/office/infopath/2007/PartnerControls">
   <documentManagement>
@@ -20369,14 +21820,6 @@
 </file>
 
 <file path=customXml/itemProps1.xml><?xml version="1.0" encoding="utf-8"?>
-<ds:datastoreItem xmlns:ds="http://schemas.openxmlformats.org/officeDocument/2006/customXml" ds:itemID="{8E2D57E5-5AED-4E87-834A-958E403321F3}">
-  <ds:schemaRefs>
-    <ds:schemaRef ds:uri="http://schemas.microsoft.com/sharepoint/v3/contenttype/forms"/>
-  </ds:schemaRefs>
-</ds:datastoreItem>
-</file>
-
-<file path=customXml/itemProps2.xml><?xml version="1.0" encoding="utf-8"?>
 <ds:datastoreItem xmlns:ds="http://schemas.openxmlformats.org/officeDocument/2006/customXml" ds:itemID="{DDF09537-6F80-42EB-AAD4-63444681956B}">
   <ds:schemaRefs>
     <ds:schemaRef ds:uri="http://schemas.microsoft.com/office/2006/metadata/contentType"/>
@@ -20391,6 +21834,14 @@
     <ds:schemaRef ds:uri="http://purl.org/dc/elements/1.1/"/>
     <ds:schemaRef ds:uri="http://purl.org/dc/terms/"/>
     <ds:schemaRef ds:uri="http://schemas.microsoft.com/internal/obd"/>
+  </ds:schemaRefs>
+</ds:datastoreItem>
+</file>
+
+<file path=customXml/itemProps2.xml><?xml version="1.0" encoding="utf-8"?>
+<ds:datastoreItem xmlns:ds="http://schemas.openxmlformats.org/officeDocument/2006/customXml" ds:itemID="{8E2D57E5-5AED-4E87-834A-958E403321F3}">
+  <ds:schemaRefs>
+    <ds:schemaRef ds:uri="http://schemas.microsoft.com/sharepoint/v3/contenttype/forms"/>
   </ds:schemaRefs>
 </ds:datastoreItem>
 </file>
